--- a/user_story.pptx
+++ b/user_story.pptx
@@ -286,7 +286,7 @@
           <a:p>
             <a:fld id="{403CB87E-4591-47A1-9046-CF63F17215EF}" type="datetime2">
               <a:rPr lang="en-US" smtClean="0"/>
-              <a:t>Thursday, January 21, 2021</a:t>
+              <a:t>Saturday, January 23, 2021</a:t>
             </a:fld>
             <a:endParaRPr lang="en-US" dirty="0"/>
           </a:p>
@@ -508,7 +508,7 @@
           <a:p>
             <a:fld id="{2FA17F0E-8070-4DFE-A821-9A699EDBAD7E}" type="datetime2">
               <a:rPr lang="en-US" smtClean="0"/>
-              <a:t>Thursday, January 21, 2021</a:t>
+              <a:t>Saturday, January 23, 2021</a:t>
             </a:fld>
             <a:endParaRPr lang="en-US"/>
           </a:p>
@@ -720,7 +720,7 @@
           <a:p>
             <a:fld id="{D88D34AE-C7BF-46E5-A968-01C6641F6476}" type="datetime2">
               <a:rPr lang="en-US" smtClean="0"/>
-              <a:t>Thursday, January 21, 2021</a:t>
+              <a:t>Saturday, January 23, 2021</a:t>
             </a:fld>
             <a:endParaRPr lang="en-US"/>
           </a:p>
@@ -961,7 +961,7 @@
           <a:p>
             <a:fld id="{F33DE70B-B772-416E-A790-995760B1742E}" type="datetime2">
               <a:rPr lang="en-US" smtClean="0"/>
-              <a:t>Thursday, January 21, 2021</a:t>
+              <a:t>Saturday, January 23, 2021</a:t>
             </a:fld>
             <a:endParaRPr lang="en-US" dirty="0"/>
           </a:p>
@@ -1260,7 +1260,7 @@
           <a:p>
             <a:fld id="{76760CDE-A6F1-4138-AF12-ED09E8E5FB6B}" type="datetime2">
               <a:rPr lang="en-US" smtClean="0"/>
-              <a:t>Thursday, January 21, 2021</a:t>
+              <a:t>Saturday, January 23, 2021</a:t>
             </a:fld>
             <a:endParaRPr lang="en-US"/>
           </a:p>
@@ -1592,7 +1592,7 @@
           <a:p>
             <a:fld id="{DB15F8B1-DB7B-4D28-A97D-40FB2DD1EF78}" type="datetime2">
               <a:rPr lang="en-US" smtClean="0"/>
-              <a:t>Thursday, January 21, 2021</a:t>
+              <a:t>Saturday, January 23, 2021</a:t>
             </a:fld>
             <a:endParaRPr lang="en-US"/>
           </a:p>
@@ -2038,7 +2038,7 @@
           <a:p>
             <a:fld id="{14039161-23B8-4738-9069-73EBE8884FDD}" type="datetime2">
               <a:rPr lang="en-US" smtClean="0"/>
-              <a:t>Thursday, January 21, 2021</a:t>
+              <a:t>Saturday, January 23, 2021</a:t>
             </a:fld>
             <a:endParaRPr lang="en-US"/>
           </a:p>
@@ -2194,7 +2194,7 @@
           <a:p>
             <a:fld id="{FA994D44-7693-499F-AC6C-11696134FE3F}" type="datetime2">
               <a:rPr lang="en-US" smtClean="0"/>
-              <a:t>Thursday, January 21, 2021</a:t>
+              <a:t>Saturday, January 23, 2021</a:t>
             </a:fld>
             <a:endParaRPr lang="en-US"/>
           </a:p>
@@ -2311,7 +2311,7 @@
           <a:p>
             <a:fld id="{363AF2AE-472C-4EF3-ABB2-24BAA9AE3CF7}" type="datetime2">
               <a:rPr lang="en-US" smtClean="0"/>
-              <a:t>Thursday, January 21, 2021</a:t>
+              <a:t>Saturday, January 23, 2021</a:t>
             </a:fld>
             <a:endParaRPr lang="en-US"/>
           </a:p>
@@ -2638,7 +2638,7 @@
           <a:p>
             <a:fld id="{EAEA162C-A7C1-4263-9453-1BAFF8C39559}" type="datetime2">
               <a:rPr lang="en-US" smtClean="0"/>
-              <a:t>Thursday, January 21, 2021</a:t>
+              <a:t>Saturday, January 23, 2021</a:t>
             </a:fld>
             <a:endParaRPr lang="en-US"/>
           </a:p>
@@ -2944,7 +2944,7 @@
           <a:p>
             <a:fld id="{64DF6793-3458-4587-8168-65F0C37A92D2}" type="datetime2">
               <a:rPr lang="en-US" smtClean="0"/>
-              <a:t>Thursday, January 21, 2021</a:t>
+              <a:t>Saturday, January 23, 2021</a:t>
             </a:fld>
             <a:endParaRPr lang="en-US"/>
           </a:p>
@@ -3297,7 +3297,7 @@
             <a:fld id="{E8352ED3-3C46-4C9A-9738-67B2D875E7E2}" type="datetime2">
               <a:rPr lang="en-US" smtClean="0"/>
               <a:pPr/>
-              <a:t>Thursday, January 21, 2021</a:t>
+              <a:t>Saturday, January 23, 2021</a:t>
             </a:fld>
             <a:endParaRPr lang="en-US" dirty="0"/>
           </a:p>
@@ -4020,7 +4020,7 @@
         <p:spPr>
           <a:xfrm>
             <a:off x="1367406" y="3263317"/>
-            <a:ext cx="3233827" cy="2862322"/>
+            <a:ext cx="3233827" cy="2585323"/>
           </a:xfrm>
           <a:prstGeom prst="rect">
             <a:avLst/>
@@ -4072,25 +4072,6 @@
               </a:rPr>
             </a:br>
             <a:r>
-              <a:rPr lang="fr-FR" dirty="0" err="1">
-                <a:solidFill>
-                  <a:schemeClr val="accent6">
-                    <a:lumMod val="50000"/>
-                  </a:schemeClr>
-                </a:solidFill>
-              </a:rPr>
-              <a:t>et</a:t>
-            </a:r>
-            <a:br>
-              <a:rPr lang="fr-FR" dirty="0">
-                <a:solidFill>
-                  <a:schemeClr val="accent6">
-                    <a:lumMod val="50000"/>
-                  </a:schemeClr>
-                </a:solidFill>
-              </a:rPr>
-            </a:br>
-            <a:r>
               <a:rPr lang="fr-FR" dirty="0">
                 <a:solidFill>
                   <a:schemeClr val="accent6">
@@ -4204,7 +4185,7 @@
         <p:spPr>
           <a:xfrm>
             <a:off x="4370664" y="3260484"/>
-            <a:ext cx="6702804" cy="2862322"/>
+            <a:ext cx="6702804" cy="2585323"/>
           </a:xfrm>
           <a:prstGeom prst="rect">
             <a:avLst/>
@@ -4227,13 +4208,6 @@
             <a:r>
               <a:rPr lang="fr-FR" dirty="0"/>
               <a:t>que je ne suis pas connecté</a:t>
-            </a:r>
-            <a:br>
-              <a:rPr lang="fr-FR" dirty="0"/>
-            </a:br>
-            <a:r>
-              <a:rPr lang="fr-FR" dirty="0"/>
-              <a:t>que je n’ai pas de compte,</a:t>
             </a:r>
             <a:br>
               <a:rPr lang="fr-FR" dirty="0"/>
@@ -6760,7 +6734,7 @@
         <p:spPr>
           <a:xfrm>
             <a:off x="1367406" y="3263317"/>
-            <a:ext cx="3233827" cy="1754326"/>
+            <a:ext cx="3233827" cy="2031325"/>
           </a:xfrm>
           <a:prstGeom prst="rect">
             <a:avLst/>
@@ -6871,6 +6845,25 @@
               </a:rPr>
               <a:t>alors</a:t>
             </a:r>
+            <a:br>
+              <a:rPr lang="fr-FR" dirty="0">
+                <a:solidFill>
+                  <a:schemeClr val="accent6">
+                    <a:lumMod val="50000"/>
+                  </a:schemeClr>
+                </a:solidFill>
+              </a:rPr>
+            </a:br>
+            <a:r>
+              <a:rPr lang="fr-FR" dirty="0">
+                <a:solidFill>
+                  <a:schemeClr val="accent6">
+                    <a:lumMod val="50000"/>
+                  </a:schemeClr>
+                </a:solidFill>
+              </a:rPr>
+              <a:t>et</a:t>
+            </a:r>
           </a:p>
         </p:txBody>
       </p:sp>
@@ -6889,7 +6882,7 @@
         <p:spPr>
           <a:xfrm>
             <a:off x="4370665" y="3260484"/>
-            <a:ext cx="7818288" cy="1754326"/>
+            <a:ext cx="7818288" cy="2031325"/>
           </a:xfrm>
           <a:prstGeom prst="rect">
             <a:avLst/>
@@ -6935,6 +6928,13 @@
             </a:r>
           </a:p>
           <a:p>
+            <a:r>
+              <a:rPr lang="fr-FR" dirty="0"/>
+              <a:t>ma session est ouverte</a:t>
+            </a:r>
+            <a:br>
+              <a:rPr lang="fr-FR" dirty="0"/>
+            </a:br>
             <a:r>
               <a:rPr lang="fr-FR" dirty="0"/>
               <a:t>je suis redirigé sur la page du tableau de bord</a:t>
